--- a/analysis/writing/Presentation2.pptx
+++ b/analysis/writing/Presentation2.pptx
@@ -5,7 +5,7 @@
     <p:sldMasterId id="2147483648" r:id="rId1"/>
   </p:sldMasterIdLst>
   <p:notesMasterIdLst>
-    <p:notesMasterId r:id="rId14"/>
+    <p:notesMasterId r:id="rId19"/>
   </p:notesMasterIdLst>
   <p:sldIdLst>
     <p:sldId id="256" r:id="rId2"/>
@@ -18,8 +18,13 @@
     <p:sldId id="263" r:id="rId9"/>
     <p:sldId id="265" r:id="rId10"/>
     <p:sldId id="264" r:id="rId11"/>
-    <p:sldId id="266" r:id="rId12"/>
-    <p:sldId id="267" r:id="rId13"/>
+    <p:sldId id="269" r:id="rId12"/>
+    <p:sldId id="266" r:id="rId13"/>
+    <p:sldId id="267" r:id="rId14"/>
+    <p:sldId id="270" r:id="rId15"/>
+    <p:sldId id="271" r:id="rId16"/>
+    <p:sldId id="273" r:id="rId17"/>
+    <p:sldId id="272" r:id="rId18"/>
   </p:sldIdLst>
   <p:sldSz cx="12192000" cy="6858000"/>
   <p:notesSz cx="6858000" cy="9144000"/>
@@ -218,7 +223,7 @@
             <a:fld id="{019DD578-F4A9-054D-8A17-9071F0B54C2D}" type="datetimeFigureOut">
               <a:rPr lang="en-US" smtClean="0"/>
               <a:pPr/>
-              <a:t>2/8/21</a:t>
+              <a:t>2/9/21</a:t>
             </a:fld>
             <a:endParaRPr lang="en-US">
               <a:latin typeface="Helvetica Light" panose="020B0403020202020204" pitchFamily="34" charset="0"/>
@@ -753,7 +758,7 @@
           <a:p>
             <a:fld id="{3A898231-2D74-0349-9AAC-971D3A5B13C4}" type="datetimeFigureOut">
               <a:rPr lang="en-US" smtClean="0"/>
-              <a:t>2/8/21</a:t>
+              <a:t>2/9/21</a:t>
             </a:fld>
             <a:endParaRPr lang="en-US"/>
           </a:p>
@@ -951,7 +956,7 @@
           <a:p>
             <a:fld id="{3A898231-2D74-0349-9AAC-971D3A5B13C4}" type="datetimeFigureOut">
               <a:rPr lang="en-US" smtClean="0"/>
-              <a:t>2/8/21</a:t>
+              <a:t>2/9/21</a:t>
             </a:fld>
             <a:endParaRPr lang="en-US"/>
           </a:p>
@@ -1159,7 +1164,7 @@
           <a:p>
             <a:fld id="{3A898231-2D74-0349-9AAC-971D3A5B13C4}" type="datetimeFigureOut">
               <a:rPr lang="en-US" smtClean="0"/>
-              <a:t>2/8/21</a:t>
+              <a:t>2/9/21</a:t>
             </a:fld>
             <a:endParaRPr lang="en-US"/>
           </a:p>
@@ -1408,7 +1413,7 @@
             <a:fld id="{3A898231-2D74-0349-9AAC-971D3A5B13C4}" type="datetimeFigureOut">
               <a:rPr lang="en-US" smtClean="0"/>
               <a:pPr/>
-              <a:t>2/8/21</a:t>
+              <a:t>2/9/21</a:t>
             </a:fld>
             <a:endParaRPr lang="en-US" sz="1000">
               <a:latin typeface="Helvetica Light" panose="020B0403020202020204" pitchFamily="34" charset="0"/>
@@ -1703,7 +1708,7 @@
           <a:p>
             <a:fld id="{3A898231-2D74-0349-9AAC-971D3A5B13C4}" type="datetimeFigureOut">
               <a:rPr lang="en-US" smtClean="0"/>
-              <a:t>2/8/21</a:t>
+              <a:t>2/9/21</a:t>
             </a:fld>
             <a:endParaRPr lang="en-US"/>
           </a:p>
@@ -2035,7 +2040,7 @@
             <a:fld id="{3A898231-2D74-0349-9AAC-971D3A5B13C4}" type="datetimeFigureOut">
               <a:rPr lang="en-US" smtClean="0"/>
               <a:pPr/>
-              <a:t>2/8/21</a:t>
+              <a:t>2/9/21</a:t>
             </a:fld>
             <a:endParaRPr lang="en-US" sz="1000">
               <a:latin typeface="Helvetica Light" panose="020B0403020202020204" pitchFamily="34" charset="0"/>
@@ -2466,7 +2471,7 @@
           <a:p>
             <a:fld id="{3A898231-2D74-0349-9AAC-971D3A5B13C4}" type="datetimeFigureOut">
               <a:rPr lang="en-US" smtClean="0"/>
-              <a:t>2/8/21</a:t>
+              <a:t>2/9/21</a:t>
             </a:fld>
             <a:endParaRPr lang="en-US"/>
           </a:p>
@@ -2607,7 +2612,7 @@
           <a:p>
             <a:fld id="{3A898231-2D74-0349-9AAC-971D3A5B13C4}" type="datetimeFigureOut">
               <a:rPr lang="en-US" smtClean="0"/>
-              <a:t>2/8/21</a:t>
+              <a:t>2/9/21</a:t>
             </a:fld>
             <a:endParaRPr lang="en-US"/>
           </a:p>
@@ -2720,7 +2725,7 @@
           <a:p>
             <a:fld id="{3A898231-2D74-0349-9AAC-971D3A5B13C4}" type="datetimeFigureOut">
               <a:rPr lang="en-US" smtClean="0"/>
-              <a:t>2/8/21</a:t>
+              <a:t>2/9/21</a:t>
             </a:fld>
             <a:endParaRPr lang="en-US"/>
           </a:p>
@@ -3031,7 +3036,7 @@
           <a:p>
             <a:fld id="{3A898231-2D74-0349-9AAC-971D3A5B13C4}" type="datetimeFigureOut">
               <a:rPr lang="en-US" smtClean="0"/>
-              <a:t>2/8/21</a:t>
+              <a:t>2/9/21</a:t>
             </a:fld>
             <a:endParaRPr lang="en-US"/>
           </a:p>
@@ -3322,7 +3327,7 @@
           <a:p>
             <a:fld id="{3A898231-2D74-0349-9AAC-971D3A5B13C4}" type="datetimeFigureOut">
               <a:rPr lang="en-US" smtClean="0"/>
-              <a:t>2/8/21</a:t>
+              <a:t>2/9/21</a:t>
             </a:fld>
             <a:endParaRPr lang="en-US"/>
           </a:p>
@@ -3563,7 +3568,7 @@
           <a:p>
             <a:fld id="{3A898231-2D74-0349-9AAC-971D3A5B13C4}" type="datetimeFigureOut">
               <a:rPr lang="en-US" smtClean="0"/>
-              <a:t>2/8/21</a:t>
+              <a:t>2/9/21</a:t>
             </a:fld>
             <a:endParaRPr lang="en-US"/>
           </a:p>
@@ -4181,92 +4186,180 @@
           <a:chExt cx="0" cy="0"/>
         </a:xfrm>
       </p:grpSpPr>
-      <p:sp>
-        <p:nvSpPr>
-          <p:cNvPr id="2" name="Title 1">
-            <a:extLst>
-              <a:ext uri="{FF2B5EF4-FFF2-40B4-BE49-F238E27FC236}">
-                <a16:creationId xmlns:a16="http://schemas.microsoft.com/office/drawing/2014/main" id="{347CBD12-BE38-9F45-8FEC-4846E8033F8F}"/>
-              </a:ext>
-            </a:extLst>
-          </p:cNvPr>
-          <p:cNvSpPr>
-            <a:spLocks noGrp="1"/>
-          </p:cNvSpPr>
-          <p:nvPr>
-            <p:ph type="title"/>
-          </p:nvPr>
-        </p:nvSpPr>
-        <p:spPr/>
-        <p:txBody>
-          <a:bodyPr/>
+      <p:pic>
+        <p:nvPicPr>
+          <p:cNvPr id="3" name="Picture 2" descr="Chart, line chart&#10;&#10;Description automatically generated">
+            <a:extLst>
+              <a:ext uri="{FF2B5EF4-FFF2-40B4-BE49-F238E27FC236}">
+                <a16:creationId xmlns:a16="http://schemas.microsoft.com/office/drawing/2014/main" id="{0FD273B9-83C8-CA4A-B249-A566A4C2C2D7}"/>
+              </a:ext>
+            </a:extLst>
+          </p:cNvPr>
+          <p:cNvPicPr>
+            <a:picLocks noChangeAspect="1"/>
+          </p:cNvPicPr>
+          <p:nvPr/>
+        </p:nvPicPr>
+        <p:blipFill>
+          <a:blip r:embed="rId2"/>
+          <a:stretch>
+            <a:fillRect/>
+          </a:stretch>
+        </p:blipFill>
+        <p:spPr>
+          <a:xfrm>
+            <a:off x="6218096" y="1482296"/>
+            <a:ext cx="2872559" cy="2051827"/>
+          </a:xfrm>
+          <a:prstGeom prst="rect">
+            <a:avLst/>
+          </a:prstGeom>
+        </p:spPr>
+      </p:pic>
+      <p:pic>
+        <p:nvPicPr>
+          <p:cNvPr id="5" name="Picture 4" descr="Chart, line chart&#10;&#10;Description automatically generated">
+            <a:extLst>
+              <a:ext uri="{FF2B5EF4-FFF2-40B4-BE49-F238E27FC236}">
+                <a16:creationId xmlns:a16="http://schemas.microsoft.com/office/drawing/2014/main" id="{93B22048-3F5C-A548-87CB-6DB4F616EDC0}"/>
+              </a:ext>
+            </a:extLst>
+          </p:cNvPr>
+          <p:cNvPicPr>
+            <a:picLocks noChangeAspect="1"/>
+          </p:cNvPicPr>
+          <p:nvPr/>
+        </p:nvPicPr>
+        <p:blipFill>
+          <a:blip r:embed="rId3"/>
+          <a:stretch>
+            <a:fillRect/>
+          </a:stretch>
+        </p:blipFill>
+        <p:spPr>
+          <a:xfrm>
+            <a:off x="621301" y="1867016"/>
+            <a:ext cx="5646236" cy="4033026"/>
+          </a:xfrm>
+          <a:prstGeom prst="rect">
+            <a:avLst/>
+          </a:prstGeom>
+        </p:spPr>
+      </p:pic>
+      <p:pic>
+        <p:nvPicPr>
+          <p:cNvPr id="7" name="Picture 6" descr="Chart, line chart&#10;&#10;Description automatically generated">
+            <a:extLst>
+              <a:ext uri="{FF2B5EF4-FFF2-40B4-BE49-F238E27FC236}">
+                <a16:creationId xmlns:a16="http://schemas.microsoft.com/office/drawing/2014/main" id="{2DF36F5F-3E3B-F84B-9438-F60E361D1F44}"/>
+              </a:ext>
+            </a:extLst>
+          </p:cNvPr>
+          <p:cNvPicPr>
+            <a:picLocks noChangeAspect="1"/>
+          </p:cNvPicPr>
+          <p:nvPr/>
+        </p:nvPicPr>
+        <p:blipFill>
+          <a:blip r:embed="rId4"/>
+          <a:stretch>
+            <a:fillRect/>
+          </a:stretch>
+        </p:blipFill>
+        <p:spPr>
+          <a:xfrm>
+            <a:off x="8872080" y="1533291"/>
+            <a:ext cx="2872558" cy="2051827"/>
+          </a:xfrm>
+          <a:prstGeom prst="rect">
+            <a:avLst/>
+          </a:prstGeom>
+        </p:spPr>
+      </p:pic>
+      <p:sp>
+        <p:nvSpPr>
+          <p:cNvPr id="9" name="Content Placeholder 8">
+            <a:extLst>
+              <a:ext uri="{FF2B5EF4-FFF2-40B4-BE49-F238E27FC236}">
+                <a16:creationId xmlns:a16="http://schemas.microsoft.com/office/drawing/2014/main" id="{43CD3A71-05F5-9F45-BE8E-2F110ECF75BD}"/>
+              </a:ext>
+            </a:extLst>
+          </p:cNvPr>
+          <p:cNvSpPr>
+            <a:spLocks noGrp="1"/>
+          </p:cNvSpPr>
+          <p:nvPr>
+            <p:ph sz="half" idx="1"/>
+          </p:nvPr>
+        </p:nvSpPr>
+        <p:spPr>
+          <a:xfrm>
+            <a:off x="6499855" y="4067288"/>
+            <a:ext cx="5181600" cy="2407853"/>
+          </a:xfrm>
+        </p:spPr>
+        <p:txBody>
+          <a:bodyPr>
+            <a:normAutofit lnSpcReduction="10000"/>
+          </a:bodyPr>
           <a:lstStyle/>
           <a:p>
-            <a:endParaRPr lang="en-US"/>
-          </a:p>
-        </p:txBody>
-      </p:sp>
-      <p:sp>
-        <p:nvSpPr>
-          <p:cNvPr id="3" name="Content Placeholder 2">
-            <a:extLst>
-              <a:ext uri="{FF2B5EF4-FFF2-40B4-BE49-F238E27FC236}">
-                <a16:creationId xmlns:a16="http://schemas.microsoft.com/office/drawing/2014/main" id="{3BE33863-63DD-564B-8BD6-44ADE66EC81F}"/>
-              </a:ext>
-            </a:extLst>
-          </p:cNvPr>
-          <p:cNvSpPr>
-            <a:spLocks noGrp="1"/>
-          </p:cNvSpPr>
-          <p:nvPr>
-            <p:ph idx="1"/>
-          </p:nvPr>
-        </p:nvSpPr>
-        <p:spPr/>
-        <p:txBody>
-          <a:bodyPr/>
-          <a:lstStyle/>
-          <a:p>
-            <a:r>
-              <a:rPr lang="en-US" dirty="0"/>
-              <a:t>Detecting </a:t>
-            </a:r>
-            <a:r>
-              <a:rPr lang="en-US" i="1" dirty="0"/>
-              <a:t>directional </a:t>
-            </a:r>
-            <a:r>
-              <a:rPr lang="en-US" dirty="0"/>
-              <a:t>shifts in the ISD:</a:t>
-            </a:r>
-          </a:p>
-          <a:p>
-            <a:pPr lvl="1"/>
-            <a:r>
-              <a:rPr lang="en-US" dirty="0"/>
-              <a:t>A directional shift results in a change in mean per capita energy use, E/ N. </a:t>
-            </a:r>
-          </a:p>
-          <a:p>
-            <a:pPr lvl="1"/>
-            <a:r>
-              <a:rPr lang="en-US" dirty="0"/>
-              <a:t>To compare directly to ISD comparisons, compare E/N from first and last five year periods</a:t>
-            </a:r>
-          </a:p>
-          <a:p>
-            <a:pPr lvl="1"/>
-            <a:r>
-              <a:rPr lang="en-US" dirty="0"/>
-              <a:t>For continuous time, use GAM method as with N and E separately (see next)</a:t>
-            </a:r>
+            <a:pPr marL="0" indent="0">
+              <a:buNone/>
+            </a:pPr>
+            <a:r>
+              <a:rPr lang="en-US" dirty="0"/>
+              <a:t>Left: Simulated ISDs from the combined ISD, and actual ISDs (dotted lines)</a:t>
+            </a:r>
+          </a:p>
+          <a:p>
+            <a:pPr marL="0" indent="0">
+              <a:buNone/>
+            </a:pPr>
+            <a:r>
+              <a:rPr lang="en-US" dirty="0"/>
+              <a:t>Upper left:  ISDs for first and last 5 years</a:t>
+            </a:r>
+          </a:p>
+          <a:p>
+            <a:pPr marL="0" indent="0">
+              <a:buNone/>
+            </a:pPr>
+            <a:r>
+              <a:rPr lang="en-US" dirty="0"/>
+              <a:t>Upper right: Distribution of overlap for sims and actual overlap (red line). </a:t>
+            </a:r>
+          </a:p>
+          <a:p>
+            <a:pPr marL="0" indent="0">
+              <a:buNone/>
+            </a:pPr>
+            <a:r>
+              <a:rPr lang="en-US" dirty="0"/>
+              <a:t>Actual overlap = .92 of a max of 1.</a:t>
+            </a:r>
+          </a:p>
+          <a:p>
+            <a:pPr marL="0" indent="0">
+              <a:buNone/>
+            </a:pPr>
+            <a:r>
+              <a:rPr lang="en-US" dirty="0"/>
+              <a:t>The ISD has shifted detectably, although note that it’s a very small absolute shift!</a:t>
+            </a:r>
+          </a:p>
+          <a:p>
+            <a:pPr marL="0" indent="0">
+              <a:buNone/>
+            </a:pPr>
+            <a:endParaRPr lang="en-US" dirty="0"/>
           </a:p>
         </p:txBody>
       </p:sp>
     </p:spTree>
     <p:extLst>
       <p:ext uri="{BB962C8B-B14F-4D97-AF65-F5344CB8AC3E}">
-        <p14:creationId xmlns:p14="http://schemas.microsoft.com/office/powerpoint/2010/main" val="2365677077"/>
+        <p14:creationId xmlns:p14="http://schemas.microsoft.com/office/powerpoint/2010/main" val="665743541"/>
       </p:ext>
     </p:extLst>
   </p:cSld>
@@ -4298,6 +4391,377 @@
           <p:cNvPr id="2" name="Title 1">
             <a:extLst>
               <a:ext uri="{FF2B5EF4-FFF2-40B4-BE49-F238E27FC236}">
+                <a16:creationId xmlns:a16="http://schemas.microsoft.com/office/drawing/2014/main" id="{347CBD12-BE38-9F45-8FEC-4846E8033F8F}"/>
+              </a:ext>
+            </a:extLst>
+          </p:cNvPr>
+          <p:cNvSpPr>
+            <a:spLocks noGrp="1"/>
+          </p:cNvSpPr>
+          <p:nvPr>
+            <p:ph type="title"/>
+          </p:nvPr>
+        </p:nvSpPr>
+        <p:spPr/>
+        <p:txBody>
+          <a:bodyPr/>
+          <a:lstStyle/>
+          <a:p>
+            <a:endParaRPr lang="en-US"/>
+          </a:p>
+        </p:txBody>
+      </p:sp>
+      <p:sp>
+        <p:nvSpPr>
+          <p:cNvPr id="3" name="Content Placeholder 2">
+            <a:extLst>
+              <a:ext uri="{FF2B5EF4-FFF2-40B4-BE49-F238E27FC236}">
+                <a16:creationId xmlns:a16="http://schemas.microsoft.com/office/drawing/2014/main" id="{3BE33863-63DD-564B-8BD6-44ADE66EC81F}"/>
+              </a:ext>
+            </a:extLst>
+          </p:cNvPr>
+          <p:cNvSpPr>
+            <a:spLocks noGrp="1"/>
+          </p:cNvSpPr>
+          <p:nvPr>
+            <p:ph idx="1"/>
+          </p:nvPr>
+        </p:nvSpPr>
+        <p:spPr/>
+        <p:txBody>
+          <a:bodyPr/>
+          <a:lstStyle/>
+          <a:p>
+            <a:r>
+              <a:rPr lang="en-US" dirty="0"/>
+              <a:t>Detecting </a:t>
+            </a:r>
+            <a:r>
+              <a:rPr lang="en-US" i="1" dirty="0"/>
+              <a:t>directional </a:t>
+            </a:r>
+            <a:r>
+              <a:rPr lang="en-US" dirty="0"/>
+              <a:t>shifts in the ISD:</a:t>
+            </a:r>
+          </a:p>
+          <a:p>
+            <a:pPr lvl="1"/>
+            <a:r>
+              <a:rPr lang="en-US" dirty="0"/>
+              <a:t>A directional shift results in a change in mean per capita energy use, E/ N. </a:t>
+            </a:r>
+          </a:p>
+          <a:p>
+            <a:pPr lvl="1"/>
+            <a:r>
+              <a:rPr lang="en-US" dirty="0"/>
+              <a:t>To compare directly to ISD comparisons, compare E/N from first and last five year periods</a:t>
+            </a:r>
+          </a:p>
+          <a:p>
+            <a:pPr lvl="1"/>
+            <a:r>
+              <a:rPr lang="en-US" dirty="0"/>
+              <a:t>For continuous time, use GAM method as with N and E separately (see next)</a:t>
+            </a:r>
+          </a:p>
+        </p:txBody>
+      </p:sp>
+      <p:pic>
+        <p:nvPicPr>
+          <p:cNvPr id="5" name="Picture 4" descr="Chart, box and whisker chart&#10;&#10;Description automatically generated">
+            <a:extLst>
+              <a:ext uri="{FF2B5EF4-FFF2-40B4-BE49-F238E27FC236}">
+                <a16:creationId xmlns:a16="http://schemas.microsoft.com/office/drawing/2014/main" id="{779ADD3E-D0DD-F34F-98E9-B7C882DE4D67}"/>
+              </a:ext>
+            </a:extLst>
+          </p:cNvPr>
+          <p:cNvPicPr>
+            <a:picLocks noChangeAspect="1"/>
+          </p:cNvPicPr>
+          <p:nvPr/>
+        </p:nvPicPr>
+        <p:blipFill>
+          <a:blip r:embed="rId2"/>
+          <a:stretch>
+            <a:fillRect/>
+          </a:stretch>
+        </p:blipFill>
+        <p:spPr>
+          <a:xfrm>
+            <a:off x="2916787" y="3429000"/>
+            <a:ext cx="3900324" cy="2785946"/>
+          </a:xfrm>
+          <a:prstGeom prst="rect">
+            <a:avLst/>
+          </a:prstGeom>
+        </p:spPr>
+      </p:pic>
+      <p:sp>
+        <p:nvSpPr>
+          <p:cNvPr id="8" name="Content Placeholder 8">
+            <a:extLst>
+              <a:ext uri="{FF2B5EF4-FFF2-40B4-BE49-F238E27FC236}">
+                <a16:creationId xmlns:a16="http://schemas.microsoft.com/office/drawing/2014/main" id="{49AFE2C5-513F-0C4F-9B07-B12DA669C90F}"/>
+              </a:ext>
+            </a:extLst>
+          </p:cNvPr>
+          <p:cNvSpPr txBox="1">
+            <a:spLocks/>
+          </p:cNvSpPr>
+          <p:nvPr/>
+        </p:nvSpPr>
+        <p:spPr>
+          <a:xfrm>
+            <a:off x="6817111" y="4918927"/>
+            <a:ext cx="5181600" cy="2407853"/>
+          </a:xfrm>
+          <a:prstGeom prst="rect">
+            <a:avLst/>
+          </a:prstGeom>
+        </p:spPr>
+        <p:txBody>
+          <a:bodyPr vert="horz" lIns="91440" tIns="45720" rIns="91440" bIns="45720" rtlCol="0">
+            <a:normAutofit/>
+          </a:bodyPr>
+          <a:lstStyle>
+            <a:lvl1pPr marL="228600" indent="-228600" algn="l" defTabSz="914400" rtl="0" eaLnBrk="1" latinLnBrk="0" hangingPunct="1">
+              <a:lnSpc>
+                <a:spcPct val="90000"/>
+              </a:lnSpc>
+              <a:spcBef>
+                <a:spcPts val="1000"/>
+              </a:spcBef>
+              <a:buFont typeface="System Font Regular"/>
+              <a:buChar char="&gt;"/>
+              <a:defRPr sz="1800" b="0" i="0" kern="1200">
+                <a:solidFill>
+                  <a:schemeClr val="tx1"/>
+                </a:solidFill>
+                <a:latin typeface="Helvetica Light" panose="020B0403020202020204" pitchFamily="34" charset="0"/>
+                <a:ea typeface="+mn-ea"/>
+                <a:cs typeface="+mn-cs"/>
+              </a:defRPr>
+            </a:lvl1pPr>
+            <a:lvl2pPr marL="685800" indent="-228600" algn="l" defTabSz="914400" rtl="0" eaLnBrk="1" latinLnBrk="0" hangingPunct="1">
+              <a:lnSpc>
+                <a:spcPct val="90000"/>
+              </a:lnSpc>
+              <a:spcBef>
+                <a:spcPts val="500"/>
+              </a:spcBef>
+              <a:buFont typeface="System Font Regular"/>
+              <a:buChar char="&gt;"/>
+              <a:defRPr sz="1600" b="0" i="0" kern="1200">
+                <a:solidFill>
+                  <a:schemeClr val="tx1"/>
+                </a:solidFill>
+                <a:latin typeface="Helvetica Light" panose="020B0403020202020204" pitchFamily="34" charset="0"/>
+                <a:ea typeface="+mn-ea"/>
+                <a:cs typeface="+mn-cs"/>
+              </a:defRPr>
+            </a:lvl2pPr>
+            <a:lvl3pPr marL="1143000" indent="-228600" algn="l" defTabSz="914400" rtl="0" eaLnBrk="1" latinLnBrk="0" hangingPunct="1">
+              <a:lnSpc>
+                <a:spcPct val="90000"/>
+              </a:lnSpc>
+              <a:spcBef>
+                <a:spcPts val="500"/>
+              </a:spcBef>
+              <a:buFont typeface="System Font Regular"/>
+              <a:buChar char="&gt;"/>
+              <a:defRPr sz="1400" b="0" i="0" kern="1200">
+                <a:solidFill>
+                  <a:schemeClr val="tx1"/>
+                </a:solidFill>
+                <a:latin typeface="Helvetica Light" panose="020B0403020202020204" pitchFamily="34" charset="0"/>
+                <a:ea typeface="+mn-ea"/>
+                <a:cs typeface="+mn-cs"/>
+              </a:defRPr>
+            </a:lvl3pPr>
+            <a:lvl4pPr marL="1600200" indent="-228600" algn="l" defTabSz="914400" rtl="0" eaLnBrk="1" latinLnBrk="0" hangingPunct="1">
+              <a:lnSpc>
+                <a:spcPct val="90000"/>
+              </a:lnSpc>
+              <a:spcBef>
+                <a:spcPts val="500"/>
+              </a:spcBef>
+              <a:buFont typeface="System Font Regular"/>
+              <a:buChar char="&gt;"/>
+              <a:defRPr sz="1200" b="0" i="0" kern="1200">
+                <a:solidFill>
+                  <a:schemeClr val="tx1"/>
+                </a:solidFill>
+                <a:latin typeface="Helvetica Light" panose="020B0403020202020204" pitchFamily="34" charset="0"/>
+                <a:ea typeface="+mn-ea"/>
+                <a:cs typeface="+mn-cs"/>
+              </a:defRPr>
+            </a:lvl4pPr>
+            <a:lvl5pPr marL="2057400" indent="-228600" algn="l" defTabSz="914400" rtl="0" eaLnBrk="1" latinLnBrk="0" hangingPunct="1">
+              <a:lnSpc>
+                <a:spcPct val="90000"/>
+              </a:lnSpc>
+              <a:spcBef>
+                <a:spcPts val="500"/>
+              </a:spcBef>
+              <a:buFont typeface="System Font Regular"/>
+              <a:buChar char="&gt;"/>
+              <a:defRPr sz="1200" b="0" i="0" kern="1200">
+                <a:solidFill>
+                  <a:schemeClr val="tx1"/>
+                </a:solidFill>
+                <a:latin typeface="Helvetica Light" panose="020B0403020202020204" pitchFamily="34" charset="0"/>
+                <a:ea typeface="+mn-ea"/>
+                <a:cs typeface="+mn-cs"/>
+              </a:defRPr>
+            </a:lvl5pPr>
+            <a:lvl6pPr marL="2514600" indent="-228600" algn="l" defTabSz="914400" rtl="0" eaLnBrk="1" latinLnBrk="0" hangingPunct="1">
+              <a:lnSpc>
+                <a:spcPct val="90000"/>
+              </a:lnSpc>
+              <a:spcBef>
+                <a:spcPts val="500"/>
+              </a:spcBef>
+              <a:buFont typeface="Arial" panose="020B0604020202020204" pitchFamily="34" charset="0"/>
+              <a:buChar char="•"/>
+              <a:defRPr sz="1800" kern="1200">
+                <a:solidFill>
+                  <a:schemeClr val="tx1"/>
+                </a:solidFill>
+                <a:latin typeface="+mn-lt"/>
+                <a:ea typeface="+mn-ea"/>
+                <a:cs typeface="+mn-cs"/>
+              </a:defRPr>
+            </a:lvl6pPr>
+            <a:lvl7pPr marL="2971800" indent="-228600" algn="l" defTabSz="914400" rtl="0" eaLnBrk="1" latinLnBrk="0" hangingPunct="1">
+              <a:lnSpc>
+                <a:spcPct val="90000"/>
+              </a:lnSpc>
+              <a:spcBef>
+                <a:spcPts val="500"/>
+              </a:spcBef>
+              <a:buFont typeface="Arial" panose="020B0604020202020204" pitchFamily="34" charset="0"/>
+              <a:buChar char="•"/>
+              <a:defRPr sz="1800" kern="1200">
+                <a:solidFill>
+                  <a:schemeClr val="tx1"/>
+                </a:solidFill>
+                <a:latin typeface="+mn-lt"/>
+                <a:ea typeface="+mn-ea"/>
+                <a:cs typeface="+mn-cs"/>
+              </a:defRPr>
+            </a:lvl7pPr>
+            <a:lvl8pPr marL="3429000" indent="-228600" algn="l" defTabSz="914400" rtl="0" eaLnBrk="1" latinLnBrk="0" hangingPunct="1">
+              <a:lnSpc>
+                <a:spcPct val="90000"/>
+              </a:lnSpc>
+              <a:spcBef>
+                <a:spcPts val="500"/>
+              </a:spcBef>
+              <a:buFont typeface="Arial" panose="020B0604020202020204" pitchFamily="34" charset="0"/>
+              <a:buChar char="•"/>
+              <a:defRPr sz="1800" kern="1200">
+                <a:solidFill>
+                  <a:schemeClr val="tx1"/>
+                </a:solidFill>
+                <a:latin typeface="+mn-lt"/>
+                <a:ea typeface="+mn-ea"/>
+                <a:cs typeface="+mn-cs"/>
+              </a:defRPr>
+            </a:lvl8pPr>
+            <a:lvl9pPr marL="3886200" indent="-228600" algn="l" defTabSz="914400" rtl="0" eaLnBrk="1" latinLnBrk="0" hangingPunct="1">
+              <a:lnSpc>
+                <a:spcPct val="90000"/>
+              </a:lnSpc>
+              <a:spcBef>
+                <a:spcPts val="500"/>
+              </a:spcBef>
+              <a:buFont typeface="Arial" panose="020B0604020202020204" pitchFamily="34" charset="0"/>
+              <a:buChar char="•"/>
+              <a:defRPr sz="1800" kern="1200">
+                <a:solidFill>
+                  <a:schemeClr val="tx1"/>
+                </a:solidFill>
+                <a:latin typeface="+mn-lt"/>
+                <a:ea typeface="+mn-ea"/>
+                <a:cs typeface="+mn-cs"/>
+              </a:defRPr>
+            </a:lvl9pPr>
+          </a:lstStyle>
+          <a:p>
+            <a:pPr marL="0" indent="0">
+              <a:buNone/>
+            </a:pPr>
+            <a:r>
+              <a:rPr lang="en-US" dirty="0"/>
+              <a:t>Boxplot of first and last 5 years mean energy</a:t>
+            </a:r>
+          </a:p>
+          <a:p>
+            <a:pPr marL="0" indent="0">
+              <a:buNone/>
+            </a:pPr>
+            <a:r>
+              <a:rPr lang="en-US" dirty="0"/>
+              <a:t>Wilcoxon p = 0.031, t-test p = 0.041</a:t>
+            </a:r>
+          </a:p>
+          <a:p>
+            <a:pPr marL="0" indent="0">
+              <a:buNone/>
+            </a:pPr>
+            <a:r>
+              <a:rPr lang="en-US" dirty="0"/>
+              <a:t>Means = 219, 286; ~30% increase</a:t>
+            </a:r>
+          </a:p>
+          <a:p>
+            <a:pPr marL="0" indent="0">
+              <a:buNone/>
+            </a:pPr>
+            <a:r>
+              <a:rPr lang="en-US" dirty="0"/>
+              <a:t>A directional shift means E is technically decoupled from N</a:t>
+            </a:r>
+          </a:p>
+        </p:txBody>
+      </p:sp>
+    </p:spTree>
+    <p:extLst>
+      <p:ext uri="{BB962C8B-B14F-4D97-AF65-F5344CB8AC3E}">
+        <p14:creationId xmlns:p14="http://schemas.microsoft.com/office/powerpoint/2010/main" val="2365677077"/>
+      </p:ext>
+    </p:extLst>
+  </p:cSld>
+  <p:clrMapOvr>
+    <a:masterClrMapping/>
+  </p:clrMapOvr>
+</p:sld>
+</file>
+
+<file path=ppt/slides/slide13.xml><?xml version="1.0" encoding="utf-8"?>
+<p:sld xmlns:a="http://schemas.openxmlformats.org/drawingml/2006/main" xmlns:r="http://schemas.openxmlformats.org/officeDocument/2006/relationships" xmlns:p="http://schemas.openxmlformats.org/presentationml/2006/main">
+  <p:cSld>
+    <p:spTree>
+      <p:nvGrpSpPr>
+        <p:cNvPr id="1" name=""/>
+        <p:cNvGrpSpPr/>
+        <p:nvPr/>
+      </p:nvGrpSpPr>
+      <p:grpSpPr>
+        <a:xfrm>
+          <a:off x="0" y="0"/>
+          <a:ext cx="0" cy="0"/>
+          <a:chOff x="0" y="0"/>
+          <a:chExt cx="0" cy="0"/>
+        </a:xfrm>
+      </p:grpSpPr>
+      <p:sp>
+        <p:nvSpPr>
+          <p:cNvPr id="2" name="Title 1">
+            <a:extLst>
+              <a:ext uri="{FF2B5EF4-FFF2-40B4-BE49-F238E27FC236}">
                 <a16:creationId xmlns:a16="http://schemas.microsoft.com/office/drawing/2014/main" id="{6B4F0F4F-FFCA-4E43-B705-DDF4D2C1ECB6}"/>
               </a:ext>
             </a:extLst>
@@ -4399,6 +4863,851 @@
     <p:extLst>
       <p:ext uri="{BB962C8B-B14F-4D97-AF65-F5344CB8AC3E}">
         <p14:creationId xmlns:p14="http://schemas.microsoft.com/office/powerpoint/2010/main" val="1416435259"/>
+      </p:ext>
+    </p:extLst>
+  </p:cSld>
+  <p:clrMapOvr>
+    <a:masterClrMapping/>
+  </p:clrMapOvr>
+</p:sld>
+</file>
+
+<file path=ppt/slides/slide14.xml><?xml version="1.0" encoding="utf-8"?>
+<p:sld xmlns:a="http://schemas.openxmlformats.org/drawingml/2006/main" xmlns:r="http://schemas.openxmlformats.org/officeDocument/2006/relationships" xmlns:p="http://schemas.openxmlformats.org/presentationml/2006/main">
+  <p:cSld>
+    <p:spTree>
+      <p:nvGrpSpPr>
+        <p:cNvPr id="1" name=""/>
+        <p:cNvGrpSpPr/>
+        <p:nvPr/>
+      </p:nvGrpSpPr>
+      <p:grpSpPr>
+        <a:xfrm>
+          <a:off x="0" y="0"/>
+          <a:ext cx="0" cy="0"/>
+          <a:chOff x="0" y="0"/>
+          <a:chExt cx="0" cy="0"/>
+        </a:xfrm>
+      </p:grpSpPr>
+      <p:pic>
+        <p:nvPicPr>
+          <p:cNvPr id="7" name="Picture 6" descr="Chart, line chart&#10;&#10;Description automatically generated">
+            <a:extLst>
+              <a:ext uri="{FF2B5EF4-FFF2-40B4-BE49-F238E27FC236}">
+                <a16:creationId xmlns:a16="http://schemas.microsoft.com/office/drawing/2014/main" id="{F4DE3182-6AE4-604C-A4A7-070528BD94F7}"/>
+              </a:ext>
+            </a:extLst>
+          </p:cNvPr>
+          <p:cNvPicPr>
+            <a:picLocks noChangeAspect="1"/>
+          </p:cNvPicPr>
+          <p:nvPr/>
+        </p:nvPicPr>
+        <p:blipFill>
+          <a:blip r:embed="rId2"/>
+          <a:stretch>
+            <a:fillRect/>
+          </a:stretch>
+        </p:blipFill>
+        <p:spPr>
+          <a:xfrm>
+            <a:off x="0" y="492513"/>
+            <a:ext cx="6554315" cy="4681654"/>
+          </a:xfrm>
+          <a:prstGeom prst="rect">
+            <a:avLst/>
+          </a:prstGeom>
+        </p:spPr>
+      </p:pic>
+      <p:pic>
+        <p:nvPicPr>
+          <p:cNvPr id="11" name="Picture 10" descr="Chart&#10;&#10;Description automatically generated with low confidence">
+            <a:extLst>
+              <a:ext uri="{FF2B5EF4-FFF2-40B4-BE49-F238E27FC236}">
+                <a16:creationId xmlns:a16="http://schemas.microsoft.com/office/drawing/2014/main" id="{DC7175BD-4D73-C74C-B9C9-9991ACE928D9}"/>
+              </a:ext>
+            </a:extLst>
+          </p:cNvPr>
+          <p:cNvPicPr>
+            <a:picLocks noChangeAspect="1"/>
+          </p:cNvPicPr>
+          <p:nvPr/>
+        </p:nvPicPr>
+        <p:blipFill rotWithShape="1">
+          <a:blip r:embed="rId3"/>
+          <a:srcRect r="16637"/>
+          <a:stretch/>
+        </p:blipFill>
+        <p:spPr>
+          <a:xfrm>
+            <a:off x="6467880" y="269487"/>
+            <a:ext cx="5724120" cy="4904680"/>
+          </a:xfrm>
+          <a:prstGeom prst="rect">
+            <a:avLst/>
+          </a:prstGeom>
+        </p:spPr>
+      </p:pic>
+      <p:sp>
+        <p:nvSpPr>
+          <p:cNvPr id="13" name="Content Placeholder 8">
+            <a:extLst>
+              <a:ext uri="{FF2B5EF4-FFF2-40B4-BE49-F238E27FC236}">
+                <a16:creationId xmlns:a16="http://schemas.microsoft.com/office/drawing/2014/main" id="{2FDBD6DF-3B5A-FD40-9157-F727C9EC25F9}"/>
+              </a:ext>
+            </a:extLst>
+          </p:cNvPr>
+          <p:cNvSpPr txBox="1">
+            <a:spLocks/>
+          </p:cNvSpPr>
+          <p:nvPr/>
+        </p:nvSpPr>
+        <p:spPr>
+          <a:xfrm>
+            <a:off x="686357" y="5397193"/>
+            <a:ext cx="10219536" cy="2407853"/>
+          </a:xfrm>
+          <a:prstGeom prst="rect">
+            <a:avLst/>
+          </a:prstGeom>
+        </p:spPr>
+        <p:txBody>
+          <a:bodyPr vert="horz" lIns="91440" tIns="45720" rIns="91440" bIns="45720" rtlCol="0">
+            <a:normAutofit/>
+          </a:bodyPr>
+          <a:lstStyle>
+            <a:lvl1pPr marL="228600" indent="-228600" algn="l" defTabSz="914400" rtl="0" eaLnBrk="1" latinLnBrk="0" hangingPunct="1">
+              <a:lnSpc>
+                <a:spcPct val="90000"/>
+              </a:lnSpc>
+              <a:spcBef>
+                <a:spcPts val="1000"/>
+              </a:spcBef>
+              <a:buFont typeface="System Font Regular"/>
+              <a:buChar char="&gt;"/>
+              <a:defRPr sz="1800" b="0" i="0" kern="1200">
+                <a:solidFill>
+                  <a:schemeClr val="tx1"/>
+                </a:solidFill>
+                <a:latin typeface="Helvetica Light" panose="020B0403020202020204" pitchFamily="34" charset="0"/>
+                <a:ea typeface="+mn-ea"/>
+                <a:cs typeface="+mn-cs"/>
+              </a:defRPr>
+            </a:lvl1pPr>
+            <a:lvl2pPr marL="685800" indent="-228600" algn="l" defTabSz="914400" rtl="0" eaLnBrk="1" latinLnBrk="0" hangingPunct="1">
+              <a:lnSpc>
+                <a:spcPct val="90000"/>
+              </a:lnSpc>
+              <a:spcBef>
+                <a:spcPts val="500"/>
+              </a:spcBef>
+              <a:buFont typeface="System Font Regular"/>
+              <a:buChar char="&gt;"/>
+              <a:defRPr sz="1600" b="0" i="0" kern="1200">
+                <a:solidFill>
+                  <a:schemeClr val="tx1"/>
+                </a:solidFill>
+                <a:latin typeface="Helvetica Light" panose="020B0403020202020204" pitchFamily="34" charset="0"/>
+                <a:ea typeface="+mn-ea"/>
+                <a:cs typeface="+mn-cs"/>
+              </a:defRPr>
+            </a:lvl2pPr>
+            <a:lvl3pPr marL="1143000" indent="-228600" algn="l" defTabSz="914400" rtl="0" eaLnBrk="1" latinLnBrk="0" hangingPunct="1">
+              <a:lnSpc>
+                <a:spcPct val="90000"/>
+              </a:lnSpc>
+              <a:spcBef>
+                <a:spcPts val="500"/>
+              </a:spcBef>
+              <a:buFont typeface="System Font Regular"/>
+              <a:buChar char="&gt;"/>
+              <a:defRPr sz="1400" b="0" i="0" kern="1200">
+                <a:solidFill>
+                  <a:schemeClr val="tx1"/>
+                </a:solidFill>
+                <a:latin typeface="Helvetica Light" panose="020B0403020202020204" pitchFamily="34" charset="0"/>
+                <a:ea typeface="+mn-ea"/>
+                <a:cs typeface="+mn-cs"/>
+              </a:defRPr>
+            </a:lvl3pPr>
+            <a:lvl4pPr marL="1600200" indent="-228600" algn="l" defTabSz="914400" rtl="0" eaLnBrk="1" latinLnBrk="0" hangingPunct="1">
+              <a:lnSpc>
+                <a:spcPct val="90000"/>
+              </a:lnSpc>
+              <a:spcBef>
+                <a:spcPts val="500"/>
+              </a:spcBef>
+              <a:buFont typeface="System Font Regular"/>
+              <a:buChar char="&gt;"/>
+              <a:defRPr sz="1200" b="0" i="0" kern="1200">
+                <a:solidFill>
+                  <a:schemeClr val="tx1"/>
+                </a:solidFill>
+                <a:latin typeface="Helvetica Light" panose="020B0403020202020204" pitchFamily="34" charset="0"/>
+                <a:ea typeface="+mn-ea"/>
+                <a:cs typeface="+mn-cs"/>
+              </a:defRPr>
+            </a:lvl4pPr>
+            <a:lvl5pPr marL="2057400" indent="-228600" algn="l" defTabSz="914400" rtl="0" eaLnBrk="1" latinLnBrk="0" hangingPunct="1">
+              <a:lnSpc>
+                <a:spcPct val="90000"/>
+              </a:lnSpc>
+              <a:spcBef>
+                <a:spcPts val="500"/>
+              </a:spcBef>
+              <a:buFont typeface="System Font Regular"/>
+              <a:buChar char="&gt;"/>
+              <a:defRPr sz="1200" b="0" i="0" kern="1200">
+                <a:solidFill>
+                  <a:schemeClr val="tx1"/>
+                </a:solidFill>
+                <a:latin typeface="Helvetica Light" panose="020B0403020202020204" pitchFamily="34" charset="0"/>
+                <a:ea typeface="+mn-ea"/>
+                <a:cs typeface="+mn-cs"/>
+              </a:defRPr>
+            </a:lvl5pPr>
+            <a:lvl6pPr marL="2514600" indent="-228600" algn="l" defTabSz="914400" rtl="0" eaLnBrk="1" latinLnBrk="0" hangingPunct="1">
+              <a:lnSpc>
+                <a:spcPct val="90000"/>
+              </a:lnSpc>
+              <a:spcBef>
+                <a:spcPts val="500"/>
+              </a:spcBef>
+              <a:buFont typeface="Arial" panose="020B0604020202020204" pitchFamily="34" charset="0"/>
+              <a:buChar char="•"/>
+              <a:defRPr sz="1800" kern="1200">
+                <a:solidFill>
+                  <a:schemeClr val="tx1"/>
+                </a:solidFill>
+                <a:latin typeface="+mn-lt"/>
+                <a:ea typeface="+mn-ea"/>
+                <a:cs typeface="+mn-cs"/>
+              </a:defRPr>
+            </a:lvl6pPr>
+            <a:lvl7pPr marL="2971800" indent="-228600" algn="l" defTabSz="914400" rtl="0" eaLnBrk="1" latinLnBrk="0" hangingPunct="1">
+              <a:lnSpc>
+                <a:spcPct val="90000"/>
+              </a:lnSpc>
+              <a:spcBef>
+                <a:spcPts val="500"/>
+              </a:spcBef>
+              <a:buFont typeface="Arial" panose="020B0604020202020204" pitchFamily="34" charset="0"/>
+              <a:buChar char="•"/>
+              <a:defRPr sz="1800" kern="1200">
+                <a:solidFill>
+                  <a:schemeClr val="tx1"/>
+                </a:solidFill>
+                <a:latin typeface="+mn-lt"/>
+                <a:ea typeface="+mn-ea"/>
+                <a:cs typeface="+mn-cs"/>
+              </a:defRPr>
+            </a:lvl7pPr>
+            <a:lvl8pPr marL="3429000" indent="-228600" algn="l" defTabSz="914400" rtl="0" eaLnBrk="1" latinLnBrk="0" hangingPunct="1">
+              <a:lnSpc>
+                <a:spcPct val="90000"/>
+              </a:lnSpc>
+              <a:spcBef>
+                <a:spcPts val="500"/>
+              </a:spcBef>
+              <a:buFont typeface="Arial" panose="020B0604020202020204" pitchFamily="34" charset="0"/>
+              <a:buChar char="•"/>
+              <a:defRPr sz="1800" kern="1200">
+                <a:solidFill>
+                  <a:schemeClr val="tx1"/>
+                </a:solidFill>
+                <a:latin typeface="+mn-lt"/>
+                <a:ea typeface="+mn-ea"/>
+                <a:cs typeface="+mn-cs"/>
+              </a:defRPr>
+            </a:lvl8pPr>
+            <a:lvl9pPr marL="3886200" indent="-228600" algn="l" defTabSz="914400" rtl="0" eaLnBrk="1" latinLnBrk="0" hangingPunct="1">
+              <a:lnSpc>
+                <a:spcPct val="90000"/>
+              </a:lnSpc>
+              <a:spcBef>
+                <a:spcPts val="500"/>
+              </a:spcBef>
+              <a:buFont typeface="Arial" panose="020B0604020202020204" pitchFamily="34" charset="0"/>
+              <a:buChar char="•"/>
+              <a:defRPr sz="1800" kern="1200">
+                <a:solidFill>
+                  <a:schemeClr val="tx1"/>
+                </a:solidFill>
+                <a:latin typeface="+mn-lt"/>
+                <a:ea typeface="+mn-ea"/>
+                <a:cs typeface="+mn-cs"/>
+              </a:defRPr>
+            </a:lvl9pPr>
+          </a:lstStyle>
+          <a:p>
+            <a:pPr marL="0" indent="0">
+              <a:buNone/>
+            </a:pPr>
+            <a:r>
+              <a:rPr lang="en-US" dirty="0"/>
+              <a:t>Left: actual values for energy, abundance, and mean energy. Right: GAM fits</a:t>
+            </a:r>
+          </a:p>
+          <a:p>
+            <a:pPr marL="0" indent="0">
+              <a:buNone/>
+            </a:pPr>
+            <a:endParaRPr lang="en-US" dirty="0"/>
+          </a:p>
+        </p:txBody>
+      </p:sp>
+    </p:spTree>
+    <p:extLst>
+      <p:ext uri="{BB962C8B-B14F-4D97-AF65-F5344CB8AC3E}">
+        <p14:creationId xmlns:p14="http://schemas.microsoft.com/office/powerpoint/2010/main" val="3504913852"/>
+      </p:ext>
+    </p:extLst>
+  </p:cSld>
+  <p:clrMapOvr>
+    <a:masterClrMapping/>
+  </p:clrMapOvr>
+</p:sld>
+</file>
+
+<file path=ppt/slides/slide15.xml><?xml version="1.0" encoding="utf-8"?>
+<p:sld xmlns:a="http://schemas.openxmlformats.org/drawingml/2006/main" xmlns:r="http://schemas.openxmlformats.org/officeDocument/2006/relationships" xmlns:p="http://schemas.openxmlformats.org/presentationml/2006/main">
+  <p:cSld>
+    <p:spTree>
+      <p:nvGrpSpPr>
+        <p:cNvPr id="1" name=""/>
+        <p:cNvGrpSpPr/>
+        <p:nvPr/>
+      </p:nvGrpSpPr>
+      <p:grpSpPr>
+        <a:xfrm>
+          <a:off x="0" y="0"/>
+          <a:ext cx="0" cy="0"/>
+          <a:chOff x="0" y="0"/>
+          <a:chExt cx="0" cy="0"/>
+        </a:xfrm>
+      </p:grpSpPr>
+      <p:pic>
+        <p:nvPicPr>
+          <p:cNvPr id="7" name="Picture 6">
+            <a:extLst>
+              <a:ext uri="{FF2B5EF4-FFF2-40B4-BE49-F238E27FC236}">
+                <a16:creationId xmlns:a16="http://schemas.microsoft.com/office/drawing/2014/main" id="{F4DE3182-6AE4-604C-A4A7-070528BD94F7}"/>
+              </a:ext>
+            </a:extLst>
+          </p:cNvPr>
+          <p:cNvPicPr>
+            <a:picLocks noChangeAspect="1"/>
+          </p:cNvPicPr>
+          <p:nvPr/>
+        </p:nvPicPr>
+        <p:blipFill>
+          <a:blip r:embed="rId2"/>
+          <a:srcRect/>
+          <a:stretch/>
+        </p:blipFill>
+        <p:spPr>
+          <a:xfrm>
+            <a:off x="686358" y="537118"/>
+            <a:ext cx="6273304" cy="4480931"/>
+          </a:xfrm>
+          <a:prstGeom prst="rect">
+            <a:avLst/>
+          </a:prstGeom>
+        </p:spPr>
+      </p:pic>
+      <p:sp>
+        <p:nvSpPr>
+          <p:cNvPr id="13" name="Content Placeholder 8">
+            <a:extLst>
+              <a:ext uri="{FF2B5EF4-FFF2-40B4-BE49-F238E27FC236}">
+                <a16:creationId xmlns:a16="http://schemas.microsoft.com/office/drawing/2014/main" id="{2FDBD6DF-3B5A-FD40-9157-F727C9EC25F9}"/>
+              </a:ext>
+            </a:extLst>
+          </p:cNvPr>
+          <p:cNvSpPr txBox="1">
+            <a:spLocks/>
+          </p:cNvSpPr>
+          <p:nvPr/>
+        </p:nvSpPr>
+        <p:spPr>
+          <a:xfrm>
+            <a:off x="6989399" y="1573656"/>
+            <a:ext cx="10219536" cy="2407853"/>
+          </a:xfrm>
+          <a:prstGeom prst="rect">
+            <a:avLst/>
+          </a:prstGeom>
+        </p:spPr>
+        <p:txBody>
+          <a:bodyPr vert="horz" lIns="91440" tIns="45720" rIns="91440" bIns="45720" rtlCol="0">
+            <a:normAutofit/>
+          </a:bodyPr>
+          <a:lstStyle>
+            <a:lvl1pPr marL="228600" indent="-228600" algn="l" defTabSz="914400" rtl="0" eaLnBrk="1" latinLnBrk="0" hangingPunct="1">
+              <a:lnSpc>
+                <a:spcPct val="90000"/>
+              </a:lnSpc>
+              <a:spcBef>
+                <a:spcPts val="1000"/>
+              </a:spcBef>
+              <a:buFont typeface="System Font Regular"/>
+              <a:buChar char="&gt;"/>
+              <a:defRPr sz="1800" b="0" i="0" kern="1200">
+                <a:solidFill>
+                  <a:schemeClr val="tx1"/>
+                </a:solidFill>
+                <a:latin typeface="Helvetica Light" panose="020B0403020202020204" pitchFamily="34" charset="0"/>
+                <a:ea typeface="+mn-ea"/>
+                <a:cs typeface="+mn-cs"/>
+              </a:defRPr>
+            </a:lvl1pPr>
+            <a:lvl2pPr marL="685800" indent="-228600" algn="l" defTabSz="914400" rtl="0" eaLnBrk="1" latinLnBrk="0" hangingPunct="1">
+              <a:lnSpc>
+                <a:spcPct val="90000"/>
+              </a:lnSpc>
+              <a:spcBef>
+                <a:spcPts val="500"/>
+              </a:spcBef>
+              <a:buFont typeface="System Font Regular"/>
+              <a:buChar char="&gt;"/>
+              <a:defRPr sz="1600" b="0" i="0" kern="1200">
+                <a:solidFill>
+                  <a:schemeClr val="tx1"/>
+                </a:solidFill>
+                <a:latin typeface="Helvetica Light" panose="020B0403020202020204" pitchFamily="34" charset="0"/>
+                <a:ea typeface="+mn-ea"/>
+                <a:cs typeface="+mn-cs"/>
+              </a:defRPr>
+            </a:lvl2pPr>
+            <a:lvl3pPr marL="1143000" indent="-228600" algn="l" defTabSz="914400" rtl="0" eaLnBrk="1" latinLnBrk="0" hangingPunct="1">
+              <a:lnSpc>
+                <a:spcPct val="90000"/>
+              </a:lnSpc>
+              <a:spcBef>
+                <a:spcPts val="500"/>
+              </a:spcBef>
+              <a:buFont typeface="System Font Regular"/>
+              <a:buChar char="&gt;"/>
+              <a:defRPr sz="1400" b="0" i="0" kern="1200">
+                <a:solidFill>
+                  <a:schemeClr val="tx1"/>
+                </a:solidFill>
+                <a:latin typeface="Helvetica Light" panose="020B0403020202020204" pitchFamily="34" charset="0"/>
+                <a:ea typeface="+mn-ea"/>
+                <a:cs typeface="+mn-cs"/>
+              </a:defRPr>
+            </a:lvl3pPr>
+            <a:lvl4pPr marL="1600200" indent="-228600" algn="l" defTabSz="914400" rtl="0" eaLnBrk="1" latinLnBrk="0" hangingPunct="1">
+              <a:lnSpc>
+                <a:spcPct val="90000"/>
+              </a:lnSpc>
+              <a:spcBef>
+                <a:spcPts val="500"/>
+              </a:spcBef>
+              <a:buFont typeface="System Font Regular"/>
+              <a:buChar char="&gt;"/>
+              <a:defRPr sz="1200" b="0" i="0" kern="1200">
+                <a:solidFill>
+                  <a:schemeClr val="tx1"/>
+                </a:solidFill>
+                <a:latin typeface="Helvetica Light" panose="020B0403020202020204" pitchFamily="34" charset="0"/>
+                <a:ea typeface="+mn-ea"/>
+                <a:cs typeface="+mn-cs"/>
+              </a:defRPr>
+            </a:lvl4pPr>
+            <a:lvl5pPr marL="2057400" indent="-228600" algn="l" defTabSz="914400" rtl="0" eaLnBrk="1" latinLnBrk="0" hangingPunct="1">
+              <a:lnSpc>
+                <a:spcPct val="90000"/>
+              </a:lnSpc>
+              <a:spcBef>
+                <a:spcPts val="500"/>
+              </a:spcBef>
+              <a:buFont typeface="System Font Regular"/>
+              <a:buChar char="&gt;"/>
+              <a:defRPr sz="1200" b="0" i="0" kern="1200">
+                <a:solidFill>
+                  <a:schemeClr val="tx1"/>
+                </a:solidFill>
+                <a:latin typeface="Helvetica Light" panose="020B0403020202020204" pitchFamily="34" charset="0"/>
+                <a:ea typeface="+mn-ea"/>
+                <a:cs typeface="+mn-cs"/>
+              </a:defRPr>
+            </a:lvl5pPr>
+            <a:lvl6pPr marL="2514600" indent="-228600" algn="l" defTabSz="914400" rtl="0" eaLnBrk="1" latinLnBrk="0" hangingPunct="1">
+              <a:lnSpc>
+                <a:spcPct val="90000"/>
+              </a:lnSpc>
+              <a:spcBef>
+                <a:spcPts val="500"/>
+              </a:spcBef>
+              <a:buFont typeface="Arial" panose="020B0604020202020204" pitchFamily="34" charset="0"/>
+              <a:buChar char="•"/>
+              <a:defRPr sz="1800" kern="1200">
+                <a:solidFill>
+                  <a:schemeClr val="tx1"/>
+                </a:solidFill>
+                <a:latin typeface="+mn-lt"/>
+                <a:ea typeface="+mn-ea"/>
+                <a:cs typeface="+mn-cs"/>
+              </a:defRPr>
+            </a:lvl6pPr>
+            <a:lvl7pPr marL="2971800" indent="-228600" algn="l" defTabSz="914400" rtl="0" eaLnBrk="1" latinLnBrk="0" hangingPunct="1">
+              <a:lnSpc>
+                <a:spcPct val="90000"/>
+              </a:lnSpc>
+              <a:spcBef>
+                <a:spcPts val="500"/>
+              </a:spcBef>
+              <a:buFont typeface="Arial" panose="020B0604020202020204" pitchFamily="34" charset="0"/>
+              <a:buChar char="•"/>
+              <a:defRPr sz="1800" kern="1200">
+                <a:solidFill>
+                  <a:schemeClr val="tx1"/>
+                </a:solidFill>
+                <a:latin typeface="+mn-lt"/>
+                <a:ea typeface="+mn-ea"/>
+                <a:cs typeface="+mn-cs"/>
+              </a:defRPr>
+            </a:lvl7pPr>
+            <a:lvl8pPr marL="3429000" indent="-228600" algn="l" defTabSz="914400" rtl="0" eaLnBrk="1" latinLnBrk="0" hangingPunct="1">
+              <a:lnSpc>
+                <a:spcPct val="90000"/>
+              </a:lnSpc>
+              <a:spcBef>
+                <a:spcPts val="500"/>
+              </a:spcBef>
+              <a:buFont typeface="Arial" panose="020B0604020202020204" pitchFamily="34" charset="0"/>
+              <a:buChar char="•"/>
+              <a:defRPr sz="1800" kern="1200">
+                <a:solidFill>
+                  <a:schemeClr val="tx1"/>
+                </a:solidFill>
+                <a:latin typeface="+mn-lt"/>
+                <a:ea typeface="+mn-ea"/>
+                <a:cs typeface="+mn-cs"/>
+              </a:defRPr>
+            </a:lvl8pPr>
+            <a:lvl9pPr marL="3886200" indent="-228600" algn="l" defTabSz="914400" rtl="0" eaLnBrk="1" latinLnBrk="0" hangingPunct="1">
+              <a:lnSpc>
+                <a:spcPct val="90000"/>
+              </a:lnSpc>
+              <a:spcBef>
+                <a:spcPts val="500"/>
+              </a:spcBef>
+              <a:buFont typeface="Arial" panose="020B0604020202020204" pitchFamily="34" charset="0"/>
+              <a:buChar char="•"/>
+              <a:defRPr sz="1800" kern="1200">
+                <a:solidFill>
+                  <a:schemeClr val="tx1"/>
+                </a:solidFill>
+                <a:latin typeface="+mn-lt"/>
+                <a:ea typeface="+mn-ea"/>
+                <a:cs typeface="+mn-cs"/>
+              </a:defRPr>
+            </a:lvl9pPr>
+          </a:lstStyle>
+          <a:p>
+            <a:pPr marL="0" indent="0">
+              <a:buNone/>
+            </a:pPr>
+            <a:r>
+              <a:rPr lang="en-US" dirty="0"/>
+              <a:t>Proportional change from GAM fits. </a:t>
+            </a:r>
+          </a:p>
+          <a:p>
+            <a:pPr marL="0" indent="0">
+              <a:buNone/>
+            </a:pPr>
+            <a:r>
+              <a:rPr lang="en-US" dirty="0"/>
+              <a:t>Abundance: 17% decrease (9-23% decrease)</a:t>
+            </a:r>
+          </a:p>
+          <a:p>
+            <a:pPr marL="0" indent="0">
+              <a:buNone/>
+            </a:pPr>
+            <a:r>
+              <a:rPr lang="en-US" dirty="0"/>
+              <a:t>Energy: 14% increase (13-15% increase)</a:t>
+            </a:r>
+          </a:p>
+          <a:p>
+            <a:pPr marL="0" indent="0">
+              <a:buNone/>
+            </a:pPr>
+            <a:r>
+              <a:rPr lang="en-US" dirty="0"/>
+              <a:t>Mean energy: 38% increase (21-57% increase)</a:t>
+            </a:r>
+          </a:p>
+          <a:p>
+            <a:pPr marL="0" indent="0">
+              <a:buNone/>
+            </a:pPr>
+            <a:endParaRPr lang="en-US" dirty="0"/>
+          </a:p>
+        </p:txBody>
+      </p:sp>
+    </p:spTree>
+    <p:extLst>
+      <p:ext uri="{BB962C8B-B14F-4D97-AF65-F5344CB8AC3E}">
+        <p14:creationId xmlns:p14="http://schemas.microsoft.com/office/powerpoint/2010/main" val="1571384486"/>
+      </p:ext>
+    </p:extLst>
+  </p:cSld>
+  <p:clrMapOvr>
+    <a:masterClrMapping/>
+  </p:clrMapOvr>
+</p:sld>
+</file>
+
+<file path=ppt/slides/slide16.xml><?xml version="1.0" encoding="utf-8"?>
+<p:sld xmlns:a="http://schemas.openxmlformats.org/drawingml/2006/main" xmlns:r="http://schemas.openxmlformats.org/officeDocument/2006/relationships" xmlns:p="http://schemas.openxmlformats.org/presentationml/2006/main" show="0">
+  <p:cSld>
+    <p:spTree>
+      <p:nvGrpSpPr>
+        <p:cNvPr id="1" name=""/>
+        <p:cNvGrpSpPr/>
+        <p:nvPr/>
+      </p:nvGrpSpPr>
+      <p:grpSpPr>
+        <a:xfrm>
+          <a:off x="0" y="0"/>
+          <a:ext cx="0" cy="0"/>
+          <a:chOff x="0" y="0"/>
+          <a:chExt cx="0" cy="0"/>
+        </a:xfrm>
+      </p:grpSpPr>
+      <p:pic>
+        <p:nvPicPr>
+          <p:cNvPr id="3" name="Picture 2" descr="Chart, box and whisker chart&#10;&#10;Description automatically generated">
+            <a:extLst>
+              <a:ext uri="{FF2B5EF4-FFF2-40B4-BE49-F238E27FC236}">
+                <a16:creationId xmlns:a16="http://schemas.microsoft.com/office/drawing/2014/main" id="{C553E1A7-DC5D-AD47-B520-69D18338EB1B}"/>
+              </a:ext>
+            </a:extLst>
+          </p:cNvPr>
+          <p:cNvPicPr>
+            <a:picLocks noChangeAspect="1"/>
+          </p:cNvPicPr>
+          <p:nvPr/>
+        </p:nvPicPr>
+        <p:blipFill>
+          <a:blip r:embed="rId2"/>
+          <a:stretch>
+            <a:fillRect/>
+          </a:stretch>
+        </p:blipFill>
+        <p:spPr>
+          <a:xfrm>
+            <a:off x="0" y="381000"/>
+            <a:ext cx="8534400" cy="6096000"/>
+          </a:xfrm>
+          <a:prstGeom prst="rect">
+            <a:avLst/>
+          </a:prstGeom>
+        </p:spPr>
+      </p:pic>
+      <p:sp>
+        <p:nvSpPr>
+          <p:cNvPr id="4" name="TextBox 3">
+            <a:extLst>
+              <a:ext uri="{FF2B5EF4-FFF2-40B4-BE49-F238E27FC236}">
+                <a16:creationId xmlns:a16="http://schemas.microsoft.com/office/drawing/2014/main" id="{B62F2323-9A33-E942-90F0-5FB499E2912B}"/>
+              </a:ext>
+            </a:extLst>
+          </p:cNvPr>
+          <p:cNvSpPr txBox="1"/>
+          <p:nvPr/>
+        </p:nvSpPr>
+        <p:spPr>
+          <a:xfrm>
+            <a:off x="7543800" y="757237"/>
+            <a:ext cx="3766096" cy="923330"/>
+          </a:xfrm>
+          <a:prstGeom prst="rect">
+            <a:avLst/>
+          </a:prstGeom>
+          <a:noFill/>
+        </p:spPr>
+        <p:txBody>
+          <a:bodyPr wrap="none" rtlCol="0">
+            <a:spAutoFit/>
+          </a:bodyPr>
+          <a:lstStyle/>
+          <a:p>
+            <a:r>
+              <a:rPr lang="en-US" dirty="0"/>
+              <a:t>For energy, Wilcox p = .3, t-test p = .34</a:t>
+            </a:r>
+          </a:p>
+          <a:p>
+            <a:r>
+              <a:rPr lang="en-US" dirty="0"/>
+              <a:t>For abundance, .24, .27</a:t>
+            </a:r>
+          </a:p>
+          <a:p>
+            <a:r>
+              <a:rPr lang="en-US" dirty="0"/>
+              <a:t>For mean energy, .03, .04</a:t>
+            </a:r>
+          </a:p>
+        </p:txBody>
+      </p:sp>
+    </p:spTree>
+    <p:extLst>
+      <p:ext uri="{BB962C8B-B14F-4D97-AF65-F5344CB8AC3E}">
+        <p14:creationId xmlns:p14="http://schemas.microsoft.com/office/powerpoint/2010/main" val="1343104267"/>
+      </p:ext>
+    </p:extLst>
+  </p:cSld>
+  <p:clrMapOvr>
+    <a:masterClrMapping/>
+  </p:clrMapOvr>
+</p:sld>
+</file>
+
+<file path=ppt/slides/slide17.xml><?xml version="1.0" encoding="utf-8"?>
+<p:sld xmlns:a="http://schemas.openxmlformats.org/drawingml/2006/main" xmlns:r="http://schemas.openxmlformats.org/officeDocument/2006/relationships" xmlns:p="http://schemas.openxmlformats.org/presentationml/2006/main">
+  <p:cSld>
+    <p:spTree>
+      <p:nvGrpSpPr>
+        <p:cNvPr id="1" name=""/>
+        <p:cNvGrpSpPr/>
+        <p:nvPr/>
+      </p:nvGrpSpPr>
+      <p:grpSpPr>
+        <a:xfrm>
+          <a:off x="0" y="0"/>
+          <a:ext cx="0" cy="0"/>
+          <a:chOff x="0" y="0"/>
+          <a:chExt cx="0" cy="0"/>
+        </a:xfrm>
+      </p:grpSpPr>
+      <p:sp>
+        <p:nvSpPr>
+          <p:cNvPr id="2" name="Title 1">
+            <a:extLst>
+              <a:ext uri="{FF2B5EF4-FFF2-40B4-BE49-F238E27FC236}">
+                <a16:creationId xmlns:a16="http://schemas.microsoft.com/office/drawing/2014/main" id="{FDFE84BA-F10D-D84D-B1CA-7063A7FEF34B}"/>
+              </a:ext>
+            </a:extLst>
+          </p:cNvPr>
+          <p:cNvSpPr>
+            <a:spLocks noGrp="1"/>
+          </p:cNvSpPr>
+          <p:nvPr>
+            <p:ph type="title"/>
+          </p:nvPr>
+        </p:nvSpPr>
+        <p:spPr/>
+        <p:txBody>
+          <a:bodyPr/>
+          <a:lstStyle/>
+          <a:p>
+            <a:endParaRPr lang="en-US"/>
+          </a:p>
+        </p:txBody>
+      </p:sp>
+      <p:sp>
+        <p:nvSpPr>
+          <p:cNvPr id="3" name="Content Placeholder 2">
+            <a:extLst>
+              <a:ext uri="{FF2B5EF4-FFF2-40B4-BE49-F238E27FC236}">
+                <a16:creationId xmlns:a16="http://schemas.microsoft.com/office/drawing/2014/main" id="{EDD31F11-F720-EA4E-B7F7-D0D4ED34A875}"/>
+              </a:ext>
+            </a:extLst>
+          </p:cNvPr>
+          <p:cNvSpPr>
+            <a:spLocks noGrp="1"/>
+          </p:cNvSpPr>
+          <p:nvPr>
+            <p:ph idx="1"/>
+          </p:nvPr>
+        </p:nvSpPr>
+        <p:spPr/>
+        <p:txBody>
+          <a:bodyPr/>
+          <a:lstStyle/>
+          <a:p>
+            <a:r>
+              <a:rPr lang="en-US" dirty="0"/>
+              <a:t>This site (New Hartford, CT) has:</a:t>
+            </a:r>
+          </a:p>
+          <a:p>
+            <a:pPr lvl="1"/>
+            <a:r>
+              <a:rPr lang="en-US" dirty="0"/>
+              <a:t>Had the ISD shift detectably – although note that a detectable shift is still very small!</a:t>
+            </a:r>
+          </a:p>
+          <a:p>
+            <a:pPr lvl="1"/>
+            <a:r>
+              <a:rPr lang="en-US" dirty="0"/>
+              <a:t>The shift results in a slight </a:t>
+            </a:r>
+            <a:r>
+              <a:rPr lang="en-US" i="1" dirty="0"/>
+              <a:t>increase </a:t>
+            </a:r>
+            <a:r>
+              <a:rPr lang="en-US" dirty="0"/>
+              <a:t>in mean metabolic rate</a:t>
+            </a:r>
+          </a:p>
+          <a:p>
+            <a:pPr lvl="1"/>
+            <a:r>
+              <a:rPr lang="en-US" dirty="0"/>
+              <a:t>Using GAMs, we find a slight increase in energy use compared to a decrease in abundance. (t-tests, </a:t>
+            </a:r>
+            <a:r>
+              <a:rPr lang="en-US" dirty="0" err="1"/>
+              <a:t>etc</a:t>
+            </a:r>
+            <a:r>
+              <a:rPr lang="en-US" dirty="0"/>
+              <a:t> not significant)</a:t>
+            </a:r>
+          </a:p>
+          <a:p>
+            <a:r>
+              <a:rPr lang="en-US" dirty="0"/>
+              <a:t>At scale, we can ask if</a:t>
+            </a:r>
+          </a:p>
+          <a:p>
+            <a:pPr lvl="1"/>
+            <a:r>
+              <a:rPr lang="en-US" dirty="0"/>
+              <a:t>ISDs are shifting</a:t>
+            </a:r>
+          </a:p>
+          <a:p>
+            <a:pPr lvl="1"/>
+            <a:r>
+              <a:rPr lang="en-US" dirty="0"/>
+              <a:t>Shifting ISDs are decoupling E from N</a:t>
+            </a:r>
+          </a:p>
+          <a:p>
+            <a:pPr lvl="1"/>
+            <a:r>
+              <a:rPr lang="en-US" dirty="0"/>
+              <a:t>E and N are increasing or decreasing, and at what magnitude</a:t>
+            </a:r>
+          </a:p>
+        </p:txBody>
+      </p:sp>
+    </p:spTree>
+    <p:extLst>
+      <p:ext uri="{BB962C8B-B14F-4D97-AF65-F5344CB8AC3E}">
+        <p14:creationId xmlns:p14="http://schemas.microsoft.com/office/powerpoint/2010/main" val="3467067398"/>
       </p:ext>
     </p:extLst>
   </p:cSld>

--- a/analysis/writing/Presentation2.pptx
+++ b/analysis/writing/Presentation2.pptx
@@ -134,6 +134,73 @@
 </p:presentation>
 </file>
 
+<file path=ppt/commentAuthors.xml><?xml version="1.0" encoding="utf-8"?>
+<p:cmAuthorLst xmlns:a="http://schemas.openxmlformats.org/drawingml/2006/main" xmlns:r="http://schemas.openxmlformats.org/officeDocument/2006/relationships" xmlns:p="http://schemas.openxmlformats.org/presentationml/2006/main">
+  <p:cmAuthor id="1" name="Diaz,Renata M" initials="DM" lastIdx="5" clrIdx="0">
+    <p:extLst>
+      <p:ext uri="{19B8F6BF-5375-455C-9EA6-DF929625EA0E}">
+        <p15:presenceInfo xmlns:p15="http://schemas.microsoft.com/office/powerpoint/2012/main" userId="S::diaz.renata@ufl.edu::887f1fd4-2761-4d05-a769-649c729a9df8" providerId="AD"/>
+      </p:ext>
+    </p:extLst>
+  </p:cmAuthor>
+</p:cmAuthorLst>
+</file>
+
+<file path=ppt/comments/comment1.xml><?xml version="1.0" encoding="utf-8"?>
+<p:cmLst xmlns:a="http://schemas.openxmlformats.org/drawingml/2006/main" xmlns:r="http://schemas.openxmlformats.org/officeDocument/2006/relationships" xmlns:p="http://schemas.openxmlformats.org/presentationml/2006/main">
+  <p:cm authorId="1" dt="2021-02-28T08:40:21.044" idx="2">
+    <p:pos x="10" y="10"/>
+    <p:text>The drift thing is nontrivial. I don't think there is support here to parameterize a neutral model. Some ideas are to 1) do a kind of quasi neutral model where new individuals are equally likely to be of any body size, or 2) do a beta diversity inspired null model where we preserve species population dynamics but shuffle the species labels, approximating if the population dynamics and turnover had played out but orthogonal to the trait axis, except I think that's not quite orthogonal. </p:text>
+    <p:extLst>
+      <p:ext uri="{C676402C-5697-4E1C-873F-D02D1690AC5C}">
+        <p15:threadingInfo xmlns:p15="http://schemas.microsoft.com/office/powerpoint/2012/main" timeZoneBias="300"/>
+      </p:ext>
+    </p:extLst>
+  </p:cm>
+  <p:cm authorId="1" dt="2021-02-28T08:42:59.179" idx="3">
+    <p:pos x="106" y="106"/>
+    <p:text>The wrong null model is worse than no null model.</p:text>
+    <p:extLst>
+      <p:ext uri="{C676402C-5697-4E1C-873F-D02D1690AC5C}">
+        <p15:threadingInfo xmlns:p15="http://schemas.microsoft.com/office/powerpoint/2012/main" timeZoneBias="300"/>
+      </p:ext>
+    </p:extLst>
+  </p:cm>
+  <p:cm authorId="1" dt="2021-02-28T08:43:38.411" idx="4">
+    <p:pos x="202" y="202"/>
+    <p:text>You may not be able to null model yourself out of the change question, but possibly the direction of the change? Reshuffling, do we find increases/decreases in the mean body size that differ from the observation? But again, not sure. </p:text>
+    <p:extLst>
+      <p:ext uri="{C676402C-5697-4E1C-873F-D02D1690AC5C}">
+        <p15:threadingInfo xmlns:p15="http://schemas.microsoft.com/office/powerpoint/2012/main" timeZoneBias="300"/>
+      </p:ext>
+    </p:extLst>
+  </p:cm>
+  <p:cm authorId="1" dt="2021-02-28T08:45:52.023" idx="5">
+    <p:pos x="298" y="298"/>
+    <p:text>Would be MUCH more comfortable not trying to address drift.</p:text>
+    <p:extLst>
+      <p:ext uri="{C676402C-5697-4E1C-873F-D02D1690AC5C}">
+        <p15:threadingInfo xmlns:p15="http://schemas.microsoft.com/office/powerpoint/2012/main" timeZoneBias="300"/>
+      </p:ext>
+    </p:extLst>
+  </p:cm>
+</p:cmLst>
+</file>
+
+<file path=ppt/comments/comment2.xml><?xml version="1.0" encoding="utf-8"?>
+<p:cmLst xmlns:a="http://schemas.openxmlformats.org/drawingml/2006/main" xmlns:r="http://schemas.openxmlformats.org/officeDocument/2006/relationships" xmlns:p="http://schemas.openxmlformats.org/presentationml/2006/main">
+  <p:cm authorId="1" dt="2021-02-28T08:38:04.182" idx="1">
+    <p:pos x="10" y="10"/>
+    <p:text>This is too precise of an estimate of the ur-ISD. Consider taking many 10yr samples from the whole and pooling them and then repeating. Or just something to get variation around the urISD. You don't need so many draws from each ur ISD because given the annual Ns observed in BBS you are getting a pretty tight estimate of the actual distribution.</p:text>
+    <p:extLst>
+      <p:ext uri="{C676402C-5697-4E1C-873F-D02D1690AC5C}">
+        <p15:threadingInfo xmlns:p15="http://schemas.microsoft.com/office/powerpoint/2012/main" timeZoneBias="300"/>
+      </p:ext>
+    </p:extLst>
+  </p:cm>
+</p:cmLst>
+</file>
+
 <file path=ppt/notesMasters/notesMaster1.xml><?xml version="1.0" encoding="utf-8"?>
 <p:notesMaster xmlns:a="http://schemas.openxmlformats.org/drawingml/2006/main" xmlns:r="http://schemas.openxmlformats.org/officeDocument/2006/relationships" xmlns:p="http://schemas.openxmlformats.org/presentationml/2006/main">
   <p:cSld>
@@ -223,7 +290,7 @@
             <a:fld id="{019DD578-F4A9-054D-8A17-9071F0B54C2D}" type="datetimeFigureOut">
               <a:rPr lang="en-US" smtClean="0"/>
               <a:pPr/>
-              <a:t>2/9/21</a:t>
+              <a:t>2/28/21</a:t>
             </a:fld>
             <a:endParaRPr lang="en-US">
               <a:latin typeface="Helvetica Light" panose="020B0403020202020204" pitchFamily="34" charset="0"/>
@@ -758,7 +825,7 @@
           <a:p>
             <a:fld id="{3A898231-2D74-0349-9AAC-971D3A5B13C4}" type="datetimeFigureOut">
               <a:rPr lang="en-US" smtClean="0"/>
-              <a:t>2/9/21</a:t>
+              <a:t>2/28/21</a:t>
             </a:fld>
             <a:endParaRPr lang="en-US"/>
           </a:p>
@@ -956,7 +1023,7 @@
           <a:p>
             <a:fld id="{3A898231-2D74-0349-9AAC-971D3A5B13C4}" type="datetimeFigureOut">
               <a:rPr lang="en-US" smtClean="0"/>
-              <a:t>2/9/21</a:t>
+              <a:t>2/28/21</a:t>
             </a:fld>
             <a:endParaRPr lang="en-US"/>
           </a:p>
@@ -1164,7 +1231,7 @@
           <a:p>
             <a:fld id="{3A898231-2D74-0349-9AAC-971D3A5B13C4}" type="datetimeFigureOut">
               <a:rPr lang="en-US" smtClean="0"/>
-              <a:t>2/9/21</a:t>
+              <a:t>2/28/21</a:t>
             </a:fld>
             <a:endParaRPr lang="en-US"/>
           </a:p>
@@ -1413,7 +1480,7 @@
             <a:fld id="{3A898231-2D74-0349-9AAC-971D3A5B13C4}" type="datetimeFigureOut">
               <a:rPr lang="en-US" smtClean="0"/>
               <a:pPr/>
-              <a:t>2/9/21</a:t>
+              <a:t>2/28/21</a:t>
             </a:fld>
             <a:endParaRPr lang="en-US" sz="1000">
               <a:latin typeface="Helvetica Light" panose="020B0403020202020204" pitchFamily="34" charset="0"/>
@@ -1708,7 +1775,7 @@
           <a:p>
             <a:fld id="{3A898231-2D74-0349-9AAC-971D3A5B13C4}" type="datetimeFigureOut">
               <a:rPr lang="en-US" smtClean="0"/>
-              <a:t>2/9/21</a:t>
+              <a:t>2/28/21</a:t>
             </a:fld>
             <a:endParaRPr lang="en-US"/>
           </a:p>
@@ -2040,7 +2107,7 @@
             <a:fld id="{3A898231-2D74-0349-9AAC-971D3A5B13C4}" type="datetimeFigureOut">
               <a:rPr lang="en-US" smtClean="0"/>
               <a:pPr/>
-              <a:t>2/9/21</a:t>
+              <a:t>2/28/21</a:t>
             </a:fld>
             <a:endParaRPr lang="en-US" sz="1000">
               <a:latin typeface="Helvetica Light" panose="020B0403020202020204" pitchFamily="34" charset="0"/>
@@ -2471,7 +2538,7 @@
           <a:p>
             <a:fld id="{3A898231-2D74-0349-9AAC-971D3A5B13C4}" type="datetimeFigureOut">
               <a:rPr lang="en-US" smtClean="0"/>
-              <a:t>2/9/21</a:t>
+              <a:t>2/28/21</a:t>
             </a:fld>
             <a:endParaRPr lang="en-US"/>
           </a:p>
@@ -2612,7 +2679,7 @@
           <a:p>
             <a:fld id="{3A898231-2D74-0349-9AAC-971D3A5B13C4}" type="datetimeFigureOut">
               <a:rPr lang="en-US" smtClean="0"/>
-              <a:t>2/9/21</a:t>
+              <a:t>2/28/21</a:t>
             </a:fld>
             <a:endParaRPr lang="en-US"/>
           </a:p>
@@ -2725,7 +2792,7 @@
           <a:p>
             <a:fld id="{3A898231-2D74-0349-9AAC-971D3A5B13C4}" type="datetimeFigureOut">
               <a:rPr lang="en-US" smtClean="0"/>
-              <a:t>2/9/21</a:t>
+              <a:t>2/28/21</a:t>
             </a:fld>
             <a:endParaRPr lang="en-US"/>
           </a:p>
@@ -3036,7 +3103,7 @@
           <a:p>
             <a:fld id="{3A898231-2D74-0349-9AAC-971D3A5B13C4}" type="datetimeFigureOut">
               <a:rPr lang="en-US" smtClean="0"/>
-              <a:t>2/9/21</a:t>
+              <a:t>2/28/21</a:t>
             </a:fld>
             <a:endParaRPr lang="en-US"/>
           </a:p>
@@ -3327,7 +3394,7 @@
           <a:p>
             <a:fld id="{3A898231-2D74-0349-9AAC-971D3A5B13C4}" type="datetimeFigureOut">
               <a:rPr lang="en-US" smtClean="0"/>
-              <a:t>2/9/21</a:t>
+              <a:t>2/28/21</a:t>
             </a:fld>
             <a:endParaRPr lang="en-US"/>
           </a:p>
@@ -3568,7 +3635,7 @@
           <a:p>
             <a:fld id="{3A898231-2D74-0349-9AAC-971D3A5B13C4}" type="datetimeFigureOut">
               <a:rPr lang="en-US" smtClean="0"/>
-              <a:t>2/9/21</a:t>
+              <a:t>2/28/21</a:t>
             </a:fld>
             <a:endParaRPr lang="en-US"/>
           </a:p>
